--- a/OPENSPARC.pptx
+++ b/OPENSPARC.pptx
@@ -112,10 +112,10 @@
   </p:defaultTextStyle>
   <p:extLst>
     <p:ext uri="{EFAFB233-063F-42B5-8137-9DF3F51BA10A}">
-      <p15:sldGuideLst xmlns="" xmlns:p15="http://schemas.microsoft.com/office/powerpoint/2012/main"/>
+      <p15:sldGuideLst xmlns:p15="http://schemas.microsoft.com/office/powerpoint/2012/main" xmlns=""/>
     </p:ext>
     <p:ext uri="{2D200454-40CA-4A62-9FC3-DE9A4176ACB9}">
-      <p15:notesGuideLst xmlns="" xmlns:p15="http://schemas.microsoft.com/office/powerpoint/2012/main"/>
+      <p15:notesGuideLst xmlns:p15="http://schemas.microsoft.com/office/powerpoint/2012/main" xmlns=""/>
     </p:ext>
   </p:extLst>
 </p:presentation>
@@ -203,7 +203,7 @@
           <a:p>
             <a:fld id="{F1C0B079-A316-4C9B-B165-DF9EA8325D2C}" type="datetimeFigureOut">
               <a:rPr lang="es-ES" smtClean="0"/>
-              <a:t>23/05/2016</a:t>
+              <a:t>25/05/2016</a:t>
             </a:fld>
             <a:endParaRPr lang="es-ES"/>
           </a:p>
@@ -367,7 +367,7 @@
           </a:lstStyle>
           <a:p>
             <a:fld id="{38F28AB8-57D1-494F-9851-055AD867E790}" type="datetimeFigureOut">
-              <a:t>23/05/2016</a:t>
+              <a:t>25/05/2016</a:t>
             </a:fld>
             <a:endParaRPr lang="es-ES"/>
           </a:p>
@@ -989,7 +989,7 @@
           <a:lstStyle/>
           <a:p>
             <a:fld id="{ECAA57DF-1C19-4726-AB84-014692BAD8F5}" type="datetimeFigureOut">
-              <a:t>23/05/2016</a:t>
+              <a:t>25/05/2016</a:t>
             </a:fld>
             <a:endParaRPr lang="es-ES"/>
           </a:p>
@@ -3044,7 +3044,7 @@
   </p:clrMapOvr>
   <p:extLst mod="1">
     <p:ext uri="{DCECCB84-F9BA-43D5-87BE-67443E8EF086}">
-      <p15:sldGuideLst xmlns="" xmlns:p15="http://schemas.microsoft.com/office/powerpoint/2012/main">
+      <p15:sldGuideLst xmlns:p15="http://schemas.microsoft.com/office/powerpoint/2012/main" xmlns="">
         <p15:guide id="1" pos="9168" userDrawn="1">
           <p15:clr>
             <a:srgbClr val="A4A3A4"/>
@@ -3257,7 +3257,7 @@
           <a:p>
             <a:fld id="{ECAA57DF-1C19-4726-AB84-014692BAD8F5}" type="datetimeFigureOut">
               <a:pPr/>
-              <a:t>23/05/2016</a:t>
+              <a:t>25/05/2016</a:t>
             </a:fld>
             <a:endParaRPr lang="es-ES"/>
           </a:p>
@@ -3661,7 +3661,7 @@
   </p:txStyles>
   <p:extLst mod="1">
     <p:ext uri="{27BBF7A9-308A-43DC-89C8-2F10F3537804}">
-      <p15:sldGuideLst xmlns="" xmlns:p15="http://schemas.microsoft.com/office/powerpoint/2012/main">
+      <p15:sldGuideLst xmlns:p15="http://schemas.microsoft.com/office/powerpoint/2012/main" xmlns="">
         <p15:guide id="1" orient="horz" pos="10368" userDrawn="1">
           <p15:clr>
             <a:srgbClr val="A4A3A4"/>
@@ -3747,31 +3747,36 @@
           <a:p>
             <a:r>
               <a:rPr lang="es-ES" dirty="0"/>
-              <a:t>[Cambie los nombres siguientes por los de los colaboradores reales: </a:t>
+              <a:t>[Jorge </a:t>
             </a:r>
             <a:r>
               <a:rPr lang="es-ES" dirty="0" err="1"/>
-              <a:t>Dorena</a:t>
+              <a:t>Ivan</a:t>
             </a:r>
             <a:r>
               <a:rPr lang="es-ES" dirty="0"/>
-              <a:t> </a:t>
+              <a:t> Isaza – Felipe Valencia Trejo – </a:t>
             </a:r>
             <a:r>
               <a:rPr lang="es-ES" dirty="0" err="1"/>
-              <a:t>Paschke</a:t>
+              <a:t>Jose</a:t>
             </a:r>
             <a:r>
               <a:rPr lang="es-ES" dirty="0"/>
-              <a:t>, PhD1; David Alexander, PhD2;  Jeff Hay, RN, BSN, MHA3 y Pilar Pinilla, MD4</a:t>
+              <a:t> F. Angarita Monsalve</a:t>
             </a:r>
             <a:br>
               <a:rPr lang="es-ES" dirty="0"/>
             </a:br>
             <a:r>
               <a:rPr lang="es-ES" dirty="0"/>
-              <a:t>1[Agregue la afiliación del primer colaborador], 2[Agregue la afiliación del segundo colaborador], 3[Agregue la afiliación del tercer colaborador], 4[Agregue la afiliación del cuarto colaborador]</a:t>
-            </a:r>
+              <a:t>Arquitectura de Computadores - </a:t>
+            </a:r>
+            <a:r>
+              <a:rPr lang="es-CO" dirty="0"/>
+              <a:t>Ingeniería De Sistemas Y Computación</a:t>
+            </a:r>
+            <a:endParaRPr lang="es-ES"/>
           </a:p>
           <a:p>
             <a:endParaRPr lang="es-ES" dirty="0"/>
@@ -3846,12 +3851,8 @@
           </a:p>
           <a:p>
             <a:r>
-              <a:rPr lang="es-CO" sz="3200" dirty="0" smtClean="0"/>
-              <a:t>La </a:t>
-            </a:r>
-            <a:r>
               <a:rPr lang="es-CO" sz="3200" dirty="0"/>
-              <a:t>riqueza del código fuente RTL, herramientas e información en </a:t>
+              <a:t>La riqueza del código fuente RTL, herramientas e información en </a:t>
             </a:r>
             <a:r>
               <a:rPr lang="es-CO" sz="3200" dirty="0" err="1"/>
@@ -3993,6 +3994,14 @@
               <a:rPr lang="es-ES" dirty="0"/>
               <a:t> combina dos o más microprocesadores en un solo procesador, por lo general un único circuito integrado.</a:t>
             </a:r>
+          </a:p>
+          <a:p>
+            <a:pPr lvl="1"/>
+            <a:r>
+              <a:rPr lang="es-ES" dirty="0" smtClean="0"/>
+              <a:t>.</a:t>
+            </a:r>
+            <a:endParaRPr lang="es-ES" dirty="0"/>
           </a:p>
         </p:txBody>
       </p:sp>
@@ -4047,25 +4056,19 @@
           <a:p>
             <a:r>
               <a:rPr lang="es-CO" dirty="0"/>
-              <a:t>permite a los desarrolladores crear aplicaciones innovadoras de software más rápido y con un mayor grado de integración de hardware que nunca.</a:t>
+              <a:t>Permite a los desarrolladores crear aplicaciones innovadoras de software más rápido y con un mayor grado de integración de hardware que nunca.</a:t>
             </a:r>
           </a:p>
           <a:p>
             <a:r>
               <a:rPr lang="es-CO" dirty="0"/>
-              <a:t>Los desarrolladores de software podrán ahora crear aplicaciones altamente optimizadas que están estrechamente integradas con el hardware, la creación de soluciones únicas y de alto valor para mercados específicos.</a:t>
+              <a:t>Proporciona una plataforma para demostrar y poner a prueba las capacidades de la herramienta en un diseño comercial.</a:t>
             </a:r>
           </a:p>
           <a:p>
             <a:r>
               <a:rPr lang="es-CO" dirty="0"/>
-              <a:t>proporciona una plataforma para demostrar y poner a prueba las capacidades de la herramienta en un diseño comercial.</a:t>
-            </a:r>
-          </a:p>
-          <a:p>
-            <a:r>
-              <a:rPr lang="es-CO" dirty="0"/>
-              <a:t>da la oportunidad de investigar, modificar, probar y crear soluciones únicas basadas en una arquitectura probada.</a:t>
+              <a:t>Da la oportunidad de investigar, modificar, probar y crear soluciones únicas basadas en una arquitectura probada.</a:t>
             </a:r>
           </a:p>
           <a:p>
@@ -4109,7 +4112,7 @@
           <a:p>
             <a:r>
               <a:rPr lang="es-CO" dirty="0"/>
-              <a:t>colaboración en torno al diseño de chips.</a:t>
+              <a:t>Colaboración en torno al diseño de chips.</a:t>
             </a:r>
             <a:endParaRPr lang="es-ES" dirty="0"/>
           </a:p>
@@ -4168,6 +4171,7 @@
           </a:bodyPr>
           <a:lstStyle/>
           <a:p>
+            <a:pPr algn="just"/>
             <a:r>
               <a:rPr lang="es-CO" sz="3200" dirty="0" err="1"/>
               <a:t>OpenSPARC</a:t>
@@ -4218,13 +4222,15 @@
             </a:r>
           </a:p>
           <a:p>
+            <a:pPr algn="just"/>
             <a:r>
               <a:rPr lang="es-CO" sz="3200" dirty="0"/>
-              <a:t>Fue un descubrimiento sin precedentes para reducir el consumo de energía del centro de datos, al tiempo que aumenta significativamente el flujo. Sus 32 hilos de procesamiento simultáneo, dibujo sobre tanta energía como una bombilla, dio a los clientes el mejor rendimiento por vatio de cualquier procesador disponible.</a:t>
-            </a:r>
-          </a:p>
-          <a:p>
-            <a:endParaRPr lang="es-CO" dirty="0"/>
+              <a:t>Fue un descubrimiento sin precedentes para reducir el consumo de energía del centro de datos, al tiempo que aumenta significativamente el flujo. Sus 32 hilos de procesamiento simultáneo. Este procesador está diseñado para aplicaciones comerciales tales como servidores de aplicación y servidores de bases de datos.</a:t>
+            </a:r>
+          </a:p>
+          <a:p>
+            <a:pPr algn="just"/>
+            <a:endParaRPr lang="es-CO" sz="3200" dirty="0"/>
           </a:p>
         </p:txBody>
       </p:sp>
@@ -4245,15 +4251,21 @@
           </a:xfrm>
         </p:spPr>
         <p:txBody>
-          <a:bodyPr/>
+          <a:bodyPr>
+            <a:normAutofit fontScale="85000" lnSpcReduction="10000"/>
+          </a:bodyPr>
           <a:lstStyle/>
           <a:p>
             <a:r>
-              <a:rPr lang="es-ES" dirty="0"/>
-              <a:t>Escriba una leyenda para el contenido de los datos o las imágenes aquí.</a:t>
-            </a:r>
-          </a:p>
-          <a:p>
+              <a:rPr lang="es-ES" b="1" dirty="0"/>
+              <a:t>Información contenida en la pagina de Oracle (</a:t>
+            </a:r>
+            <a:r>
+              <a:rPr lang="es-ES" b="1" dirty="0">
+                <a:hlinkClick r:id="rId3"/>
+              </a:rPr>
+              <a:t>http://www.oracle.com/technetwork/systems/opensparc/index.html</a:t>
+            </a:r>
             <a:endParaRPr lang="es-ES" dirty="0"/>
           </a:p>
         </p:txBody>
@@ -4457,7 +4469,9 @@
           </a:xfrm>
         </p:spPr>
         <p:txBody>
-          <a:bodyPr/>
+          <a:bodyPr>
+            <a:normAutofit fontScale="92500" lnSpcReduction="20000"/>
+          </a:bodyPr>
           <a:lstStyle/>
           <a:p>
             <a:r>
@@ -4474,12 +4488,17 @@
             </a:r>
             <a:r>
               <a:rPr lang="es-CO" dirty="0"/>
-              <a:t> T1 y T2 CMT. </a:t>
-            </a:r>
-            <a:r>
-              <a:rPr lang="es-CO"/>
-              <a:t>Debido a su código abierto, esta arquitectura ha sido acogida por muchas universidades y comunidad estudiantil para la investigación de hardware gracias a su versatilidad y practica </a:t>
-            </a:r>
+              <a:t> T1 y T2 CMT. Debido a su código abierto, esta arquitectura ha sido acogida por muchas universidades y comunidad estudiantil para la investigación de hardware gracias a su versatilidad y practica </a:t>
+            </a:r>
+          </a:p>
+          <a:p>
+            <a:r>
+              <a:rPr lang="es-CO" dirty="0"/>
+              <a:t>Brindar a los desarrolladores nuevas herramientas para creación de aplicaciones altamente optimizadas, con un grado de integración software-hardware mas optimas, esto al destinar sus procesadores a un desempeño acelerado tanto de las maquinas tipo servidores</a:t>
+            </a:r>
+          </a:p>
+          <a:p>
+            <a:endParaRPr lang="es-ES" dirty="0"/>
           </a:p>
           <a:p>
             <a:endParaRPr lang="es-ES" dirty="0"/>
@@ -4922,6 +4941,7 @@
             </a:lvl9pPr>
           </a:lstStyle>
           <a:p>
+            <a:pPr algn="just"/>
             <a:r>
               <a:rPr lang="es-CO" sz="3200" dirty="0" err="1"/>
               <a:t>OpenSPARC</a:t>
@@ -4936,89 +4956,30 @@
             </a:r>
             <a:r>
               <a:rPr lang="es-CO" sz="3200" dirty="0"/>
-              <a:t> </a:t>
-            </a:r>
-            <a:r>
-              <a:rPr lang="es-CO" sz="3200" dirty="0" smtClean="0"/>
-              <a:t>T2, </a:t>
+              <a:t> T2, una de 64 bits de ocho núcleos </a:t>
+            </a:r>
+            <a:r>
+              <a:rPr lang="es-CO" sz="3200" dirty="0" err="1"/>
+              <a:t>multi</a:t>
             </a:r>
             <a:r>
               <a:rPr lang="es-CO" sz="3200" dirty="0"/>
-              <a:t>una de 64 bits de ocho núcleos </a:t>
-            </a:r>
-            <a:r>
-              <a:rPr lang="es-CO" sz="3200" dirty="0" err="1" smtClean="0"/>
-              <a:t>multi</a:t>
-            </a:r>
-            <a:r>
-              <a:rPr lang="es-CO" sz="3200" dirty="0" smtClean="0"/>
-              <a:t>-hilo. </a:t>
+              <a:t>-hilo. El procesador </a:t>
+            </a:r>
+            <a:r>
+              <a:rPr lang="es-CO" sz="3200" dirty="0" err="1"/>
+              <a:t>UltraSPARC</a:t>
             </a:r>
             <a:r>
               <a:rPr lang="es-CO" sz="3200" dirty="0"/>
-              <a:t>El procesador </a:t>
-            </a:r>
-            <a:r>
-              <a:rPr lang="es-CO" sz="3200" dirty="0" err="1"/>
-              <a:t>UltraSPARCTM</a:t>
-            </a:r>
+              <a:t> T2 es el primer "servidor en un chip" de la industria. el empaquetado de la mayoría de los núcleos e hilos de cualquier procesador de propósito general disponible, y la integración de todas las funciones clave de un servidor en un solo chip: computación, redes, seguridad, y la entrada / salida (I/ O), además de una estrecha integración con el sistema operativo Solaris.</a:t>
+            </a:r>
+          </a:p>
+          <a:p>
+            <a:pPr algn="just"/>
             <a:r>
               <a:rPr lang="es-CO" sz="3200" dirty="0"/>
-              <a:t> T2 es el primer "servidor en un chip" de la </a:t>
-            </a:r>
-            <a:r>
-              <a:rPr lang="es-CO" sz="3200" dirty="0" smtClean="0"/>
-              <a:t>industria. </a:t>
-            </a:r>
-            <a:r>
-              <a:rPr lang="es-CO" sz="3200" dirty="0"/>
-              <a:t>el </a:t>
-            </a:r>
-            <a:r>
-              <a:rPr lang="es-CO" sz="3200" dirty="0" smtClean="0"/>
-              <a:t>empaquetado </a:t>
-            </a:r>
-            <a:r>
-              <a:rPr lang="es-CO" sz="3200" dirty="0"/>
-              <a:t>de la mayoría de los núcleos e hilos de cualquier procesador de propósito general disponible, y la integración de todas las funciones clave de un servidor en un solo chip: computación, redes, seguridad, y la entrada / salida (I / O), además de una estrecha integración con el sistema operativo Solaris.</a:t>
-            </a:r>
-          </a:p>
-          <a:p>
-            <a:r>
-              <a:rPr lang="es-CO" sz="3200" dirty="0"/>
-              <a:t>Al hacer que la fuente de este diseño </a:t>
-            </a:r>
-            <a:r>
-              <a:rPr lang="es-CO" sz="3200" dirty="0" smtClean="0"/>
-              <a:t>esté disponible </a:t>
-            </a:r>
-            <a:r>
-              <a:rPr lang="es-CO" sz="3200" dirty="0"/>
-              <a:t>para una comunidad más grande </a:t>
-            </a:r>
-            <a:r>
-              <a:rPr lang="es-CO" sz="3200" dirty="0" smtClean="0"/>
-              <a:t>encargada de </a:t>
-            </a:r>
-            <a:r>
-              <a:rPr lang="es-CO" sz="3200" dirty="0"/>
-              <a:t>revisar y </a:t>
-            </a:r>
-            <a:r>
-              <a:rPr lang="es-CO" sz="3200" dirty="0" smtClean="0"/>
-              <a:t>aprender, </a:t>
-            </a:r>
-            <a:r>
-              <a:rPr lang="es-CO" sz="3200" dirty="0"/>
-              <a:t>esperamos que las ideas alrededor </a:t>
-            </a:r>
-            <a:r>
-              <a:rPr lang="es-CO" sz="3200" dirty="0" smtClean="0"/>
-              <a:t>del </a:t>
-            </a:r>
-            <a:r>
-              <a:rPr lang="es-CO" sz="3200" dirty="0"/>
-              <a:t>chip </a:t>
+              <a:t>Al hacer que la fuente de este diseño esté disponible para una comunidad más grande encargada de revisar y aprender, esperamos que las ideas alrededor del chip </a:t>
             </a:r>
             <a:r>
               <a:rPr lang="es-CO" sz="3200" dirty="0" err="1"/>
@@ -5026,11 +4987,13 @@
             </a:r>
             <a:r>
               <a:rPr lang="es-CO" sz="3200" dirty="0"/>
-              <a:t> y conceptos de varios núcleos se pueden explorar más libremente y </a:t>
-            </a:r>
+              <a:t> y conceptos de varios núcleos se pueden explorar más libremente y abiertamente.</a:t>
+            </a:r>
+          </a:p>
+          <a:p>
             <a:r>
               <a:rPr lang="es-CO" sz="3200" dirty="0" smtClean="0"/>
-              <a:t>abiertamente.</a:t>
+              <a:t>.</a:t>
             </a:r>
             <a:endParaRPr lang="es-CO" sz="3200" dirty="0"/>
           </a:p>
@@ -5054,14 +5017,28 @@
         </p:spPr>
         <p:txBody>
           <a:bodyPr>
-            <a:normAutofit lnSpcReduction="10000"/>
+            <a:normAutofit fontScale="85000" lnSpcReduction="10000"/>
           </a:bodyPr>
           <a:lstStyle/>
           <a:p>
             <a:r>
-              <a:rPr lang="es-ES" dirty="0"/>
-              <a:t>Escriba una leyenda para el contenido de los datos o las imágenes aquí.</a:t>
-            </a:r>
+              <a:rPr lang="es-ES" b="1" dirty="0"/>
+              <a:t>Información contenida en la pagina de Oracle (</a:t>
+            </a:r>
+            <a:r>
+              <a:rPr lang="es-ES" b="1" dirty="0">
+                <a:hlinkClick r:id="rId3"/>
+              </a:rPr>
+              <a:t>http://www.oracle.com/technetwork/systems/opensparc/index.html</a:t>
+            </a:r>
+            <a:r>
+              <a:rPr lang="es-ES" b="1" dirty="0"/>
+              <a:t>)</a:t>
+            </a:r>
+            <a:endParaRPr lang="es-ES" dirty="0"/>
+          </a:p>
+          <a:p>
+            <a:endParaRPr lang="es-ES" dirty="0"/>
           </a:p>
           <a:p>
             <a:endParaRPr lang="es-ES" dirty="0"/>
@@ -5096,7 +5073,7 @@
             </a:r>
             <a:r>
               <a:rPr lang="es-CO" dirty="0">
-                <a:hlinkClick r:id="rId3" tooltip="GHz"/>
+                <a:hlinkClick r:id="rId4" tooltip="GHz"/>
               </a:rPr>
               <a:t>GHz</a:t>
             </a:r>
@@ -5112,7 +5089,7 @@
             </a:r>
             <a:r>
               <a:rPr lang="es-CO" dirty="0">
-                <a:hlinkClick r:id="rId4" tooltip="PCI Express"/>
+                <a:hlinkClick r:id="rId5" tooltip="PCI Express"/>
               </a:rPr>
               <a:t>PCI Express</a:t>
             </a:r>
@@ -5128,7 +5105,7 @@
             </a:r>
             <a:r>
               <a:rPr lang="es-CO" dirty="0">
-                <a:hlinkClick r:id="rId5" tooltip="10 Gigabit Ethernet"/>
+                <a:hlinkClick r:id="rId6" tooltip="10 Gigabit Ethernet"/>
               </a:rPr>
               <a:t>10 Gigabit Ethernet</a:t>
             </a:r>
@@ -5144,7 +5121,7 @@
             </a:r>
             <a:r>
               <a:rPr lang="es-CO" dirty="0">
-                <a:hlinkClick r:id="rId6" tooltip="Caché (informática)"/>
+                <a:hlinkClick r:id="rId7" tooltip="Caché (informática)"/>
               </a:rPr>
               <a:t>caché</a:t>
             </a:r>
@@ -5154,7 +5131,7 @@
             </a:r>
             <a:r>
               <a:rPr lang="es-CO" dirty="0">
-                <a:hlinkClick r:id="rId7" tooltip="Megabyte"/>
+                <a:hlinkClick r:id="rId8" tooltip="Megabyte"/>
               </a:rPr>
               <a:t>MB</a:t>
             </a:r>
@@ -5170,7 +5147,7 @@
             </a:r>
             <a:r>
               <a:rPr lang="es-CO" dirty="0">
-                <a:hlinkClick r:id="rId8" tooltip="FPU"/>
+                <a:hlinkClick r:id="rId9" tooltip="FPU"/>
               </a:rPr>
               <a:t>coprocesador matemático</a:t>
             </a:r>
@@ -5192,22 +5169,18 @@
             </a:r>
             <a:r>
               <a:rPr lang="es-CO" dirty="0">
-                <a:hlinkClick r:id="rId9" tooltip="FB-DIMM"/>
+                <a:hlinkClick r:id="rId10" tooltip="FB-DIMM"/>
               </a:rPr>
               <a:t>FB-DIMM</a:t>
             </a:r>
             <a:r>
               <a:rPr lang="es-CO" dirty="0"/>
-              <a:t> de doble canal</a:t>
-            </a:r>
-            <a:r>
-              <a:rPr lang="es-CO" dirty="0" smtClean="0"/>
-              <a:t>.</a:t>
-            </a:r>
-          </a:p>
-          <a:p>
-            <a:r>
-              <a:rPr lang="es-CO" dirty="0" smtClean="0"/>
+              <a:t> de doble canal.</a:t>
+            </a:r>
+          </a:p>
+          <a:p>
+            <a:r>
+              <a:rPr lang="es-CO" dirty="0"/>
               <a:t> 8 núcleos  y  64 hilos   en el chip de redes y seguridad</a:t>
             </a:r>
           </a:p>
@@ -5219,54 +5192,6 @@
           </a:p>
           <a:p>
             <a:endParaRPr lang="es-ES" dirty="0"/>
-          </a:p>
-        </p:txBody>
-      </p:sp>
-      <p:sp>
-        <p:nvSpPr>
-          <p:cNvPr id="21" name="Marcador de contenido 20"/>
-          <p:cNvSpPr>
-            <a:spLocks noGrp="1"/>
-          </p:cNvSpPr>
-          <p:nvPr>
-            <p:ph sz="quarter" idx="32"/>
-          </p:nvPr>
-        </p:nvSpPr>
-        <p:spPr>
-          <a:xfrm>
-            <a:off x="11415066" y="15764361"/>
-            <a:ext cx="10076292" cy="6738241"/>
-          </a:xfrm>
-        </p:spPr>
-        <p:txBody>
-          <a:bodyPr/>
-          <a:lstStyle/>
-          <a:p>
-            <a:endParaRPr lang="es-CO" dirty="0"/>
-          </a:p>
-        </p:txBody>
-      </p:sp>
-      <p:sp>
-        <p:nvSpPr>
-          <p:cNvPr id="22" name="Marcador de contenido 21"/>
-          <p:cNvSpPr>
-            <a:spLocks noGrp="1"/>
-          </p:cNvSpPr>
-          <p:nvPr>
-            <p:ph sz="quarter" idx="33"/>
-          </p:nvPr>
-        </p:nvSpPr>
-        <p:spPr>
-          <a:xfrm>
-            <a:off x="22310425" y="15765308"/>
-            <a:ext cx="10128440" cy="6738241"/>
-          </a:xfrm>
-        </p:spPr>
-        <p:txBody>
-          <a:bodyPr/>
-          <a:lstStyle/>
-          <a:p>
-            <a:endParaRPr lang="es-CO" dirty="0"/>
           </a:p>
         </p:txBody>
       </p:sp>
@@ -5527,7 +5452,7 @@
           <a:p>
             <a:r>
               <a:rPr lang="es-ES" dirty="0">
-                <a:hlinkClick r:id="rId10"/>
+                <a:hlinkClick r:id="rId11"/>
               </a:rPr>
               <a:t>http://www.oracle.com/</a:t>
             </a:r>
@@ -5553,7 +5478,7 @@
           <p:nvPr/>
         </p:nvPicPr>
         <p:blipFill>
-          <a:blip r:embed="rId11">
+          <a:blip r:embed="rId12">
             <a:extLst>
               <a:ext uri="{28A0092B-C50C-407E-A947-70E740481C1C}">
                 <a14:useLocalDpi xmlns:a14="http://schemas.microsoft.com/office/drawing/2010/main" val="0"/>
@@ -5594,7 +5519,7 @@
           <p:nvPr/>
         </p:nvPicPr>
         <p:blipFill>
-          <a:blip r:embed="rId12">
+          <a:blip r:embed="rId13">
             <a:extLst>
               <a:ext uri="{28A0092B-C50C-407E-A947-70E740481C1C}">
                 <a14:useLocalDpi xmlns:a14="http://schemas.microsoft.com/office/drawing/2010/main" val="0"/>
@@ -5624,6 +5549,64 @@
               </a14:hiddenFill>
             </a:ext>
           </a:extLst>
+        </p:spPr>
+      </p:pic>
+      <p:pic>
+        <p:nvPicPr>
+          <p:cNvPr id="28" name="Marcador de contenido 11"/>
+          <p:cNvPicPr>
+            <a:picLocks noGrp="1" noChangeAspect="1"/>
+          </p:cNvPicPr>
+          <p:nvPr>
+            <p:ph sz="quarter" idx="32"/>
+          </p:nvPr>
+        </p:nvPicPr>
+        <p:blipFill>
+          <a:blip r:embed="rId14">
+            <a:extLst>
+              <a:ext uri="{28A0092B-C50C-407E-A947-70E740481C1C}">
+                <a14:useLocalDpi xmlns:a14="http://schemas.microsoft.com/office/drawing/2010/main" val="0"/>
+              </a:ext>
+            </a:extLst>
+          </a:blip>
+          <a:stretch>
+            <a:fillRect/>
+          </a:stretch>
+        </p:blipFill>
+        <p:spPr>
+          <a:xfrm>
+            <a:off x="13094085" y="15763875"/>
+            <a:ext cx="6719117" cy="6738938"/>
+          </a:xfrm>
+        </p:spPr>
+      </p:pic>
+      <p:pic>
+        <p:nvPicPr>
+          <p:cNvPr id="29" name="Marcador de contenido 16"/>
+          <p:cNvPicPr>
+            <a:picLocks noGrp="1" noChangeAspect="1"/>
+          </p:cNvPicPr>
+          <p:nvPr>
+            <p:ph sz="quarter" idx="33"/>
+          </p:nvPr>
+        </p:nvPicPr>
+        <p:blipFill>
+          <a:blip r:embed="rId15">
+            <a:extLst>
+              <a:ext uri="{28A0092B-C50C-407E-A947-70E740481C1C}">
+                <a14:useLocalDpi xmlns:a14="http://schemas.microsoft.com/office/drawing/2010/main" val="0"/>
+              </a:ext>
+            </a:extLst>
+          </a:blip>
+          <a:stretch>
+            <a:fillRect/>
+          </a:stretch>
+        </p:blipFill>
+        <p:spPr>
+          <a:xfrm>
+            <a:off x="23531512" y="15900400"/>
+            <a:ext cx="7686675" cy="6467475"/>
+          </a:xfrm>
         </p:spPr>
       </p:pic>
     </p:spTree>
@@ -5972,7 +5955,7 @@
   <a:extraClrSchemeLst/>
   <a:extLst>
     <a:ext uri="{05A4C25C-085E-4340-85A3-A5531E510DB2}">
-      <thm15:themeFamily xmlns="" xmlns:thm15="http://schemas.microsoft.com/office/thememl/2012/main" name="Presentation1" id="{55A68E73-61CB-4542-8C48-DCBB2482A3D5}" vid="{6A3CA63D-1E3C-4681-8668-89277FEB3FEB}"/>
+      <thm15:themeFamily xmlns:thm15="http://schemas.microsoft.com/office/thememl/2012/main" xmlns="" name="Presentation1" id="{55A68E73-61CB-4542-8C48-DCBB2482A3D5}" vid="{6A3CA63D-1E3C-4681-8668-89277FEB3FEB}"/>
     </a:ext>
   </a:extLst>
 </a:theme>
@@ -6233,7 +6216,7 @@
   <a:extraClrSchemeLst/>
   <a:extLst>
     <a:ext uri="{05A4C25C-085E-4340-85A3-A5531E510DB2}">
-      <thm15:themeFamily xmlns="" xmlns:thm15="http://schemas.microsoft.com/office/thememl/2012/main" name="Office Theme" id="{62F939B6-93AF-4DB8-9C6B-D6C7DFDC589F}" vid="{4A3C46E8-61CC-4603-A589-7422A47A8E4A}"/>
+      <thm15:themeFamily xmlns:thm15="http://schemas.microsoft.com/office/thememl/2012/main" xmlns="" name="Office Theme" id="{62F939B6-93AF-4DB8-9C6B-D6C7DFDC589F}" vid="{4A3C46E8-61CC-4603-A589-7422A47A8E4A}"/>
     </a:ext>
   </a:extLst>
 </a:theme>
@@ -6494,13 +6477,28 @@
   <a:extraClrSchemeLst/>
   <a:extLst>
     <a:ext uri="{05A4C25C-085E-4340-85A3-A5531E510DB2}">
-      <thm15:themeFamily xmlns="" xmlns:thm15="http://schemas.microsoft.com/office/thememl/2012/main" name="Office Theme" id="{62F939B6-93AF-4DB8-9C6B-D6C7DFDC589F}" vid="{4A3C46E8-61CC-4603-A589-7422A47A8E4A}"/>
+      <thm15:themeFamily xmlns:thm15="http://schemas.microsoft.com/office/thememl/2012/main" xmlns="" name="Office Theme" id="{62F939B6-93AF-4DB8-9C6B-D6C7DFDC589F}" vid="{4A3C46E8-61CC-4603-A589-7422A47A8E4A}"/>
     </a:ext>
   </a:extLst>
 </a:theme>
 </file>
 
 <file path=customXml/item1.xml><?xml version="1.0" encoding="utf-8"?>
+<p:properties xmlns:p="http://schemas.microsoft.com/office/2006/metadata/properties" xmlns:xsi="http://www.w3.org/2001/XMLSchema-instance" xmlns:pc="http://schemas.microsoft.com/office/infopath/2007/PartnerControls">
+  <documentManagement/>
+</p:properties>
+</file>
+
+<file path=customXml/item2.xml><?xml version="1.0" encoding="utf-8"?>
+<?mso-contentType ?>
+<FormTemplates xmlns="http://schemas.microsoft.com/sharepoint/v3/contenttype/forms">
+  <Display>DocumentoBibliotecaFormulario</Display>
+  <Edit>DocumentoBibliotecaFormulario</Edit>
+  <New>DocumentoBibliotecaFormulario</New>
+</FormTemplates>
+</file>
+
+<file path=customXml/item3.xml><?xml version="1.0" encoding="utf-8"?>
 <ct:contentTypeSchema xmlns:ct="http://schemas.microsoft.com/office/2006/metadata/contentType" xmlns:ma="http://schemas.microsoft.com/office/2006/metadata/properties/metaAttributes" ct:_="" ma:_="" ma:contentTypeName="Document" ma:contentTypeID="0x0101007C1D5F340F01F94FA2FD29A5E6DC872E" ma:contentTypeVersion="0" ma:contentTypeDescription="Create a new document." ma:contentTypeScope="" ma:versionID="f583bd66513a361a730282b6a794e352">
   <xsd:schema xmlns:xsd="http://www.w3.org/2001/XMLSchema" xmlns:xs="http://www.w3.org/2001/XMLSchema" xmlns:p="http://schemas.microsoft.com/office/2006/metadata/properties" targetNamespace="http://schemas.microsoft.com/office/2006/metadata/properties" ma:root="true" ma:fieldsID="6841151cf538834e171094e4faaf2d73">
     <xsd:element name="properties">
@@ -6614,22 +6612,30 @@
 </ct:contentTypeSchema>
 </file>
 
-<file path=customXml/item2.xml><?xml version="1.0" encoding="utf-8"?>
-<?mso-contentType ?>
-<FormTemplates xmlns="http://schemas.microsoft.com/sharepoint/v3/contenttype/forms">
-  <Display>DocumentoBibliotecaFormulario</Display>
-  <Edit>DocumentoBibliotecaFormulario</Edit>
-  <New>DocumentoBibliotecaFormulario</New>
-</FormTemplates>
+<file path=customXml/itemProps1.xml><?xml version="1.0" encoding="utf-8"?>
+<ds:datastoreItem xmlns:ds="http://schemas.openxmlformats.org/officeDocument/2006/customXml" ds:itemID="{1E4AACF7-51B1-41A0-AAF9-D883E2E86D45}">
+  <ds:schemaRefs>
+    <ds:schemaRef ds:uri="http://schemas.microsoft.com/office/2006/metadata/properties"/>
+    <ds:schemaRef ds:uri="http://purl.org/dc/terms/"/>
+    <ds:schemaRef ds:uri="http://purl.org/dc/elements/1.1/"/>
+    <ds:schemaRef ds:uri="http://www.w3.org/XML/1998/namespace"/>
+    <ds:schemaRef ds:uri="http://schemas.microsoft.com/office/infopath/2007/PartnerControls"/>
+    <ds:schemaRef ds:uri="http://schemas.microsoft.com/office/2006/documentManagement/types"/>
+    <ds:schemaRef ds:uri="http://schemas.openxmlformats.org/package/2006/metadata/core-properties"/>
+    <ds:schemaRef ds:uri="http://purl.org/dc/dcmitype/"/>
+  </ds:schemaRefs>
+</ds:datastoreItem>
 </file>
 
-<file path=customXml/item3.xml><?xml version="1.0" encoding="utf-8"?>
-<p:properties xmlns:p="http://schemas.microsoft.com/office/2006/metadata/properties" xmlns:xsi="http://www.w3.org/2001/XMLSchema-instance" xmlns:pc="http://schemas.microsoft.com/office/infopath/2007/PartnerControls">
-  <documentManagement/>
-</p:properties>
+<file path=customXml/itemProps2.xml><?xml version="1.0" encoding="utf-8"?>
+<ds:datastoreItem xmlns:ds="http://schemas.openxmlformats.org/officeDocument/2006/customXml" ds:itemID="{CDCE3ED8-2D07-4BA2-9005-4F3ED3D7E6E9}">
+  <ds:schemaRefs>
+    <ds:schemaRef ds:uri="http://schemas.microsoft.com/sharepoint/v3/contenttype/forms"/>
+  </ds:schemaRefs>
+</ds:datastoreItem>
 </file>
 
-<file path=customXml/itemProps1.xml><?xml version="1.0" encoding="utf-8"?>
+<file path=customXml/itemProps3.xml><?xml version="1.0" encoding="utf-8"?>
 <ds:datastoreItem xmlns:ds="http://schemas.openxmlformats.org/officeDocument/2006/customXml" ds:itemID="{4D8B3D7D-95B4-4748-9FFB-C281E1B965A5}">
   <ds:schemaRefs>
     <ds:schemaRef ds:uri="http://schemas.microsoft.com/office/2006/metadata/contentType"/>
@@ -6643,27 +6649,4 @@
     <ds:schemaRef ds:uri="http://schemas.microsoft.com/office/infopath/2007/PartnerControls"/>
   </ds:schemaRefs>
 </ds:datastoreItem>
-</file>
-
-<file path=customXml/itemProps2.xml><?xml version="1.0" encoding="utf-8"?>
-<ds:datastoreItem xmlns:ds="http://schemas.openxmlformats.org/officeDocument/2006/customXml" ds:itemID="{CDCE3ED8-2D07-4BA2-9005-4F3ED3D7E6E9}">
-  <ds:schemaRefs>
-    <ds:schemaRef ds:uri="http://schemas.microsoft.com/sharepoint/v3/contenttype/forms"/>
-  </ds:schemaRefs>
-</ds:datastoreItem>
-</file>
-
-<file path=customXml/itemProps3.xml><?xml version="1.0" encoding="utf-8"?>
-<ds:datastoreItem xmlns:ds="http://schemas.openxmlformats.org/officeDocument/2006/customXml" ds:itemID="{1E4AACF7-51B1-41A0-AAF9-D883E2E86D45}">
-  <ds:schemaRefs>
-    <ds:schemaRef ds:uri="http://schemas.microsoft.com/office/2006/metadata/properties"/>
-    <ds:schemaRef ds:uri="http://purl.org/dc/terms/"/>
-    <ds:schemaRef ds:uri="http://purl.org/dc/elements/1.1/"/>
-    <ds:schemaRef ds:uri="http://www.w3.org/XML/1998/namespace"/>
-    <ds:schemaRef ds:uri="http://schemas.microsoft.com/office/infopath/2007/PartnerControls"/>
-    <ds:schemaRef ds:uri="http://schemas.microsoft.com/office/2006/documentManagement/types"/>
-    <ds:schemaRef ds:uri="http://schemas.openxmlformats.org/package/2006/metadata/core-properties"/>
-    <ds:schemaRef ds:uri="http://purl.org/dc/dcmitype/"/>
-  </ds:schemaRefs>
-</ds:datastoreItem>
 </file>